--- a/src/main/asciidoc/projektbezogene_dateien/swp-zwischenpraesentation.pptx
+++ b/src/main/asciidoc/projektbezogene_dateien/swp-zwischenpraesentation.pptx
@@ -114,6 +114,11 @@
       </a:defRPr>
     </a:lvl9pPr>
   </p:defaultTextStyle>
+  <p:extLst>
+    <p:ext uri="{EFAFB233-063F-42B5-8137-9DF3F51BA10A}">
+      <p15:sldGuideLst xmlns:p15="http://schemas.microsoft.com/office/powerpoint/2012/main"/>
+    </p:ext>
+  </p:extLst>
 </p:presentation>
 </file>
 
@@ -211,7 +216,7 @@
           <a:p>
             <a:fld id="{81AC403C-28FD-B348-BFF7-77B2C078A71C}" type="datetimeFigureOut">
               <a:rPr lang="de-DE" smtClean="0"/>
-              <a:t>16.11.23</a:t>
+              <a:t>23.11.23</a:t>
             </a:fld>
             <a:endParaRPr lang="de-DE"/>
           </a:p>
@@ -389,7 +394,7 @@
           <a:p>
             <a:fld id="{C6BBD182-D959-F043-8B18-27443DCB4094}" type="datetimeFigureOut">
               <a:rPr lang="de-DE" smtClean="0"/>
-              <a:t>16.11.23</a:t>
+              <a:t>23.11.23</a:t>
             </a:fld>
             <a:endParaRPr lang="de-DE"/>
           </a:p>
@@ -7940,7 +7945,7 @@
           <a:p>
             <a:fld id="{0CA4A21C-2A1B-B74B-8FD7-1F3D1E1110EE}" type="datetimeFigureOut">
               <a:rPr lang="de-DE" smtClean="0"/>
-              <a:t>16.11.23</a:t>
+              <a:t>23.11.23</a:t>
             </a:fld>
             <a:endParaRPr lang="de-DE"/>
           </a:p>
@@ -12834,34 +12839,35 @@
           </a:p>
         </p:txBody>
       </p:sp>
-      <p:sp>
-        <p:nvSpPr>
-          <p:cNvPr id="3" name="Inhaltsplatzhalter 2">
+      <p:pic>
+        <p:nvPicPr>
+          <p:cNvPr id="5" name="Inhaltsplatzhalter 4">
             <a:extLst>
               <a:ext uri="{FF2B5EF4-FFF2-40B4-BE49-F238E27FC236}">
-                <a16:creationId xmlns:a16="http://schemas.microsoft.com/office/drawing/2014/main" id="{8A53C8DF-072B-663A-014E-A4E3B2EF26C7}"/>
+                <a16:creationId xmlns:a16="http://schemas.microsoft.com/office/drawing/2014/main" id="{9760FD03-84D9-1E96-CA1C-6EA4F877AB19}"/>
               </a:ext>
             </a:extLst>
           </p:cNvPr>
-          <p:cNvSpPr>
-            <a:spLocks noGrp="1"/>
-          </p:cNvSpPr>
+          <p:cNvPicPr>
+            <a:picLocks noGrp="1" noChangeAspect="1"/>
+          </p:cNvPicPr>
           <p:nvPr>
             <p:ph sz="quarter" idx="10"/>
           </p:nvPr>
-        </p:nvSpPr>
-        <p:spPr/>
-        <p:txBody>
-          <a:bodyPr/>
-          <a:lstStyle/>
-          <a:p>
-            <a:r>
-              <a:rPr lang="de-DE" dirty="0"/>
-              <a:t>Anwendungsfall- oder Domänenmodell (Analyse-Klassendiagramm)</a:t>
-            </a:r>
-          </a:p>
-        </p:txBody>
-      </p:sp>
+        </p:nvPicPr>
+        <p:blipFill>
+          <a:blip r:embed="rId2"/>
+          <a:stretch>
+            <a:fillRect/>
+          </a:stretch>
+        </p:blipFill>
+        <p:spPr>
+          <a:xfrm>
+            <a:off x="3053834" y="1030288"/>
+            <a:ext cx="6084332" cy="5013490"/>
+          </a:xfrm>
+        </p:spPr>
+      </p:pic>
     </p:spTree>
     <p:extLst>
       <p:ext uri="{BB962C8B-B14F-4D97-AF65-F5344CB8AC3E}">
